--- a/PRESENTATIONS/2024-09-tpac/2024-09-26-WoT-TPAC-Refactoring-McCool.pptx
+++ b/PRESENTATIONS/2024-09-tpac/2024-09-26-WoT-TPAC-Refactoring-McCool.pptx
@@ -132,7 +132,7 @@
 <file path=ppt/revisionInfo.xml><?xml version="1.0" encoding="utf-8"?>
 <p1510:revInfo xmlns:a="http://schemas.openxmlformats.org/drawingml/2006/main" xmlns:r="http://schemas.openxmlformats.org/officeDocument/2006/relationships" xmlns:p1510="http://schemas.microsoft.com/office/powerpoint/2015/10/main">
   <p1510:revLst>
-    <p1510:client id="{57D9D28D-647B-4FE5-A6C5-D08805888548}" v="2" dt="2024-09-25T14:29:05.403"/>
+    <p1510:client id="{57D9D28D-647B-4FE5-A6C5-D08805888548}" v="3" dt="2024-09-26T17:11:58.313"/>
   </p1510:revLst>
 </p1510:revInfo>
 </file>
@@ -142,7 +142,7 @@
   <pc:docChgLst>
     <pc:chgData name="Mccool, Michael" userId="9022b910-48f5-4b36-ad75-783e2c5f7356" providerId="ADAL" clId="{57D9D28D-647B-4FE5-A6C5-D08805888548}"/>
     <pc:docChg chg="custSel addSld modSld">
-      <pc:chgData name="Mccool, Michael" userId="9022b910-48f5-4b36-ad75-783e2c5f7356" providerId="ADAL" clId="{57D9D28D-647B-4FE5-A6C5-D08805888548}" dt="2024-09-25T14:35:28.099" v="1568" actId="20577"/>
+      <pc:chgData name="Mccool, Michael" userId="9022b910-48f5-4b36-ad75-783e2c5f7356" providerId="ADAL" clId="{57D9D28D-647B-4FE5-A6C5-D08805888548}" dt="2024-09-26T17:12:32.445" v="1590" actId="20577"/>
       <pc:docMkLst>
         <pc:docMk/>
       </pc:docMkLst>
@@ -162,13 +162,13 @@
         </pc:spChg>
       </pc:sldChg>
       <pc:sldChg chg="modSp mod">
-        <pc:chgData name="Mccool, Michael" userId="9022b910-48f5-4b36-ad75-783e2c5f7356" providerId="ADAL" clId="{57D9D28D-647B-4FE5-A6C5-D08805888548}" dt="2024-09-25T14:32:35.016" v="1162" actId="20577"/>
+        <pc:chgData name="Mccool, Michael" userId="9022b910-48f5-4b36-ad75-783e2c5f7356" providerId="ADAL" clId="{57D9D28D-647B-4FE5-A6C5-D08805888548}" dt="2024-09-26T17:12:32.445" v="1590" actId="20577"/>
         <pc:sldMkLst>
           <pc:docMk/>
           <pc:sldMk cId="2239956326" sldId="257"/>
         </pc:sldMkLst>
         <pc:spChg chg="mod">
-          <ac:chgData name="Mccool, Michael" userId="9022b910-48f5-4b36-ad75-783e2c5f7356" providerId="ADAL" clId="{57D9D28D-647B-4FE5-A6C5-D08805888548}" dt="2024-09-25T14:32:35.016" v="1162" actId="20577"/>
+          <ac:chgData name="Mccool, Michael" userId="9022b910-48f5-4b36-ad75-783e2c5f7356" providerId="ADAL" clId="{57D9D28D-647B-4FE5-A6C5-D08805888548}" dt="2024-09-26T17:12:32.445" v="1590" actId="20577"/>
           <ac:spMkLst>
             <pc:docMk/>
             <pc:sldMk cId="2239956326" sldId="257"/>
@@ -301,7 +301,7 @@
           <a:p>
             <a:fld id="{8389B5DD-0274-BF45-B4C5-62E173E8F634}" type="datetimeFigureOut">
               <a:rPr lang="en-US" smtClean="0"/>
-              <a:t>9/25/2024</a:t>
+              <a:t>9/26/2024</a:t>
             </a:fld>
             <a:endParaRPr lang="en-US"/>
           </a:p>
@@ -917,7 +917,7 @@
           <a:p>
             <a:fld id="{2F93E591-CC8D-C74E-8EED-098A7FB5E64D}" type="datetime1">
               <a:rPr lang="en-CA" smtClean="0"/>
-              <a:t>2024-09-25</a:t>
+              <a:t>2024-09-26</a:t>
             </a:fld>
             <a:endParaRPr lang="en-US"/>
           </a:p>
@@ -1185,7 +1185,7 @@
           <a:p>
             <a:fld id="{2E1BC118-574D-594E-ABEA-A7C82666C9AB}" type="datetime1">
               <a:rPr lang="en-CA" smtClean="0"/>
-              <a:t>2024-09-25</a:t>
+              <a:t>2024-09-26</a:t>
             </a:fld>
             <a:endParaRPr lang="en-US"/>
           </a:p>
@@ -1551,7 +1551,7 @@
           <a:p>
             <a:fld id="{B929AB1E-7FD9-0A40-B7C0-508CCACB3E9A}" type="datetime1">
               <a:rPr lang="en-CA" smtClean="0"/>
-              <a:t>2024-09-25</a:t>
+              <a:t>2024-09-26</a:t>
             </a:fld>
             <a:endParaRPr lang="en-US"/>
           </a:p>
@@ -1783,7 +1783,7 @@
           <a:p>
             <a:fld id="{5AE8723F-57EA-4C47-97B9-92AFDEEF85DC}" type="datetime1">
               <a:rPr lang="en-CA" smtClean="0"/>
-              <a:t>2024-09-25</a:t>
+              <a:t>2024-09-26</a:t>
             </a:fld>
             <a:endParaRPr lang="en-US"/>
           </a:p>
@@ -2113,7 +2113,7 @@
           <a:p>
             <a:fld id="{B2B00E5D-EC04-AA49-8D52-0FCB6E08F63D}" type="datetime1">
               <a:rPr lang="en-CA" smtClean="0"/>
-              <a:t>2024-09-25</a:t>
+              <a:t>2024-09-26</a:t>
             </a:fld>
             <a:endParaRPr lang="en-US"/>
           </a:p>
@@ -2586,7 +2586,7 @@
           <a:p>
             <a:fld id="{FF90905C-10FF-8047-AA7E-6DC7E8B6AF51}" type="datetime1">
               <a:rPr lang="en-CA" smtClean="0"/>
-              <a:t>2024-09-25</a:t>
+              <a:t>2024-09-26</a:t>
             </a:fld>
             <a:endParaRPr lang="en-US"/>
           </a:p>
@@ -2792,7 +2792,7 @@
           <a:p>
             <a:fld id="{D1CE86E2-4400-D342-BEEC-F9C1ADF6F9F7}" type="datetime1">
               <a:rPr lang="en-CA" smtClean="0"/>
-              <a:t>2024-09-25</a:t>
+              <a:t>2024-09-26</a:t>
             </a:fld>
             <a:endParaRPr lang="en-US"/>
           </a:p>
@@ -2962,7 +2962,7 @@
           <a:p>
             <a:fld id="{74358A08-7221-7F45-8378-69D5559861DD}" type="datetime1">
               <a:rPr lang="en-CA" smtClean="0"/>
-              <a:t>2024-09-25</a:t>
+              <a:t>2024-09-26</a:t>
             </a:fld>
             <a:endParaRPr lang="en-US"/>
           </a:p>
@@ -3334,7 +3334,7 @@
           <a:p>
             <a:fld id="{08C20FDB-303D-8A4E-83B7-226DD88B97BD}" type="datetime1">
               <a:rPr lang="en-CA" smtClean="0"/>
-              <a:t>2024-09-25</a:t>
+              <a:t>2024-09-26</a:t>
             </a:fld>
             <a:endParaRPr lang="en-US"/>
           </a:p>
@@ -3686,7 +3686,7 @@
           <a:p>
             <a:fld id="{0A9EBA37-9D18-D34A-A88D-1B00AA06E95C}" type="datetime1">
               <a:rPr lang="en-CA" smtClean="0"/>
-              <a:t>2024-09-25</a:t>
+              <a:t>2024-09-26</a:t>
             </a:fld>
             <a:endParaRPr lang="en-US"/>
           </a:p>
@@ -4026,7 +4026,7 @@
             <a:fld id="{B73A2E78-F38A-E046-ACDB-668F070D1EF6}" type="datetime1">
               <a:rPr lang="en-CA" smtClean="0"/>
               <a:pPr/>
-              <a:t>2024-09-25</a:t>
+              <a:t>2024-09-26</a:t>
             </a:fld>
             <a:endParaRPr lang="en-US" dirty="0"/>
           </a:p>
@@ -4606,7 +4606,34 @@
                 </a:highlight>
                 <a:latin typeface="Arial" panose="020B0604020202020204" pitchFamily="34" charset="0"/>
               </a:rPr>
-              <a:t>Architecture:</a:t>
+              <a:t>Architecture: </a:t>
+            </a:r>
+            <a:r>
+              <a:rPr lang="en-US" b="0" i="0" dirty="0">
+                <a:solidFill>
+                  <a:srgbClr val="202122"/>
+                </a:solidFill>
+                <a:effectLst/>
+                <a:highlight>
+                  <a:srgbClr val="FFFFFF"/>
+                </a:highlight>
+                <a:latin typeface="Arial" panose="020B0604020202020204" pitchFamily="34" charset="0"/>
+                <a:hlinkClick r:id="rId2"/>
+              </a:rPr>
+              <a:t>https://w3c.github.io/wot-architecture/</a:t>
+            </a:r>
+            <a:r>
+              <a:rPr lang="en-US" b="0" i="0" dirty="0">
+                <a:solidFill>
+                  <a:srgbClr val="202122"/>
+                </a:solidFill>
+                <a:effectLst/>
+                <a:highlight>
+                  <a:srgbClr val="FFFFFF"/>
+                </a:highlight>
+                <a:latin typeface="Arial" panose="020B0604020202020204" pitchFamily="34" charset="0"/>
+              </a:rPr>
+              <a:t> </a:t>
             </a:r>
           </a:p>
           <a:p>
@@ -4702,7 +4729,7 @@
                   <a:srgbClr val="FFFFFF"/>
                 </a:highlight>
                 <a:latin typeface="Arial" panose="020B0604020202020204" pitchFamily="34" charset="0"/>
-                <a:hlinkClick r:id="rId2"/>
+                <a:hlinkClick r:id="rId3"/>
               </a:rPr>
               <a:t>https://w3c.github.io/wot-architecture/testing/report11.html</a:t>
             </a:r>
@@ -4763,8 +4790,31 @@
                 </a:highlight>
                 <a:latin typeface="Arial" panose="020B0604020202020204" pitchFamily="34" charset="0"/>
               </a:rPr>
-              <a:t>26 are generally related to TD/TM metadata</a:t>
-            </a:r>
+              <a:t>26 are generally related to TD/TM metadata, </a:t>
+            </a:r>
+            <a:r>
+              <a:rPr lang="en-US" b="0" i="0">
+                <a:solidFill>
+                  <a:srgbClr val="202122"/>
+                </a:solidFill>
+                <a:effectLst/>
+                <a:highlight>
+                  <a:srgbClr val="FFFFFF"/>
+                </a:highlight>
+                <a:latin typeface="Arial" panose="020B0604020202020204" pitchFamily="34" charset="0"/>
+              </a:rPr>
+              <a:t>some to discovery</a:t>
+            </a:r>
+            <a:endParaRPr lang="en-US" b="0" i="0" dirty="0">
+              <a:solidFill>
+                <a:srgbClr val="202122"/>
+              </a:solidFill>
+              <a:effectLst/>
+              <a:highlight>
+                <a:srgbClr val="FFFFFF"/>
+              </a:highlight>
+              <a:latin typeface="Arial" panose="020B0604020202020204" pitchFamily="34" charset="0"/>
+            </a:endParaRPr>
           </a:p>
           <a:p>
             <a:pPr algn="l">
@@ -5120,7 +5170,7 @@
           <a:p>
             <a:fld id="{B929AB1E-7FD9-0A40-B7C0-508CCACB3E9A}" type="datetime1">
               <a:rPr lang="en-CA" smtClean="0"/>
-              <a:t>2024-09-25</a:t>
+              <a:t>2024-09-26</a:t>
             </a:fld>
             <a:endParaRPr lang="en-US"/>
           </a:p>
